--- a/src/Tutorials/react-tutorial.pptx
+++ b/src/Tutorials/react-tutorial.pptx
@@ -266,7 +266,7 @@
           <a:p>
             <a:fld id="{6CA2B4F7-2149-43D2-96FC-7C20F6232C5B}" type="datetimeFigureOut">
               <a:rPr lang="en-US" smtClean="0"/>
-              <a:t>11/9/2018</a:t>
+              <a:t>11/14/2018</a:t>
             </a:fld>
             <a:endParaRPr lang="en-US"/>
           </a:p>
@@ -464,7 +464,7 @@
           <a:p>
             <a:fld id="{6CA2B4F7-2149-43D2-96FC-7C20F6232C5B}" type="datetimeFigureOut">
               <a:rPr lang="en-US" smtClean="0"/>
-              <a:t>11/9/2018</a:t>
+              <a:t>11/14/2018</a:t>
             </a:fld>
             <a:endParaRPr lang="en-US"/>
           </a:p>
@@ -672,7 +672,7 @@
           <a:p>
             <a:fld id="{6CA2B4F7-2149-43D2-96FC-7C20F6232C5B}" type="datetimeFigureOut">
               <a:rPr lang="en-US" smtClean="0"/>
-              <a:t>11/9/2018</a:t>
+              <a:t>11/14/2018</a:t>
             </a:fld>
             <a:endParaRPr lang="en-US"/>
           </a:p>
@@ -870,7 +870,7 @@
           <a:p>
             <a:fld id="{6CA2B4F7-2149-43D2-96FC-7C20F6232C5B}" type="datetimeFigureOut">
               <a:rPr lang="en-US" smtClean="0"/>
-              <a:t>11/9/2018</a:t>
+              <a:t>11/14/2018</a:t>
             </a:fld>
             <a:endParaRPr lang="en-US"/>
           </a:p>
@@ -1145,7 +1145,7 @@
           <a:p>
             <a:fld id="{6CA2B4F7-2149-43D2-96FC-7C20F6232C5B}" type="datetimeFigureOut">
               <a:rPr lang="en-US" smtClean="0"/>
-              <a:t>11/9/2018</a:t>
+              <a:t>11/14/2018</a:t>
             </a:fld>
             <a:endParaRPr lang="en-US"/>
           </a:p>
@@ -1410,7 +1410,7 @@
           <a:p>
             <a:fld id="{6CA2B4F7-2149-43D2-96FC-7C20F6232C5B}" type="datetimeFigureOut">
               <a:rPr lang="en-US" smtClean="0"/>
-              <a:t>11/9/2018</a:t>
+              <a:t>11/14/2018</a:t>
             </a:fld>
             <a:endParaRPr lang="en-US"/>
           </a:p>
@@ -1822,7 +1822,7 @@
           <a:p>
             <a:fld id="{6CA2B4F7-2149-43D2-96FC-7C20F6232C5B}" type="datetimeFigureOut">
               <a:rPr lang="en-US" smtClean="0"/>
-              <a:t>11/9/2018</a:t>
+              <a:t>11/14/2018</a:t>
             </a:fld>
             <a:endParaRPr lang="en-US"/>
           </a:p>
@@ -1963,7 +1963,7 @@
           <a:p>
             <a:fld id="{6CA2B4F7-2149-43D2-96FC-7C20F6232C5B}" type="datetimeFigureOut">
               <a:rPr lang="en-US" smtClean="0"/>
-              <a:t>11/9/2018</a:t>
+              <a:t>11/14/2018</a:t>
             </a:fld>
             <a:endParaRPr lang="en-US"/>
           </a:p>
@@ -2076,7 +2076,7 @@
           <a:p>
             <a:fld id="{6CA2B4F7-2149-43D2-96FC-7C20F6232C5B}" type="datetimeFigureOut">
               <a:rPr lang="en-US" smtClean="0"/>
-              <a:t>11/9/2018</a:t>
+              <a:t>11/14/2018</a:t>
             </a:fld>
             <a:endParaRPr lang="en-US"/>
           </a:p>
@@ -2387,7 +2387,7 @@
           <a:p>
             <a:fld id="{6CA2B4F7-2149-43D2-96FC-7C20F6232C5B}" type="datetimeFigureOut">
               <a:rPr lang="en-US" smtClean="0"/>
-              <a:t>11/9/2018</a:t>
+              <a:t>11/14/2018</a:t>
             </a:fld>
             <a:endParaRPr lang="en-US"/>
           </a:p>
@@ -2675,7 +2675,7 @@
           <a:p>
             <a:fld id="{6CA2B4F7-2149-43D2-96FC-7C20F6232C5B}" type="datetimeFigureOut">
               <a:rPr lang="en-US" smtClean="0"/>
-              <a:t>11/9/2018</a:t>
+              <a:t>11/14/2018</a:t>
             </a:fld>
             <a:endParaRPr lang="en-US"/>
           </a:p>
@@ -2916,7 +2916,7 @@
           <a:p>
             <a:fld id="{6CA2B4F7-2149-43D2-96FC-7C20F6232C5B}" type="datetimeFigureOut">
               <a:rPr lang="en-US" smtClean="0"/>
-              <a:t>11/9/2018</a:t>
+              <a:t>11/14/2018</a:t>
             </a:fld>
             <a:endParaRPr lang="en-US"/>
           </a:p>
@@ -3616,13 +3616,8 @@
           <a:p>
             <a:r>
               <a:rPr lang="en-US" dirty="0"/>
-              <a:t>Front End Library developed </a:t>
-            </a:r>
-            <a:r>
-              <a:rPr lang="en-US"/>
-              <a:t>by Google</a:t>
-            </a:r>
-            <a:endParaRPr lang="en-US" dirty="0"/>
+              <a:t>Front End Library developed by Facebook</a:t>
+            </a:r>
           </a:p>
           <a:p>
             <a:r>
@@ -5397,6 +5392,18 @@
               </a:rPr>
               <a:t>https://reactjs.org/tutorial/tutorial.html</a:t>
             </a:r>
+            <a:endParaRPr lang="en-US" dirty="0"/>
+          </a:p>
+          <a:p>
+            <a:r>
+              <a:rPr lang="en-US">
+                <a:hlinkClick r:id="rId3"/>
+              </a:rPr>
+              <a:t>https://canvasjs.com/</a:t>
+            </a:r>
+            <a:endParaRPr lang="en-US"/>
+          </a:p>
+          <a:p>
             <a:endParaRPr lang="en-US" dirty="0"/>
           </a:p>
           <a:p>
